--- a/Nutrition_Agent.pptx
+++ b/Nutrition_Agent.pptx
@@ -5,7 +5,7 @@
     <p:sldMasterId id="2147483712" r:id="rId4"/>
   </p:sldMasterIdLst>
   <p:notesMasterIdLst>
-    <p:notesMasterId r:id="rId27"/>
+    <p:notesMasterId r:id="rId29"/>
   </p:notesMasterIdLst>
   <p:sldIdLst>
     <p:sldId id="256" r:id="rId5"/>
@@ -21,15 +21,17 @@
     <p:sldId id="267" r:id="rId15"/>
     <p:sldId id="2146847067" r:id="rId16"/>
     <p:sldId id="2146847069" r:id="rId17"/>
-    <p:sldId id="2146847068" r:id="rId18"/>
-    <p:sldId id="268" r:id="rId19"/>
-    <p:sldId id="2146847055" r:id="rId20"/>
-    <p:sldId id="269" r:id="rId21"/>
-    <p:sldId id="2146847070" r:id="rId22"/>
-    <p:sldId id="2146847059" r:id="rId23"/>
-    <p:sldId id="2146847060" r:id="rId24"/>
-    <p:sldId id="2146847061" r:id="rId25"/>
-    <p:sldId id="259" r:id="rId26"/>
+    <p:sldId id="2146847071" r:id="rId18"/>
+    <p:sldId id="2146847072" r:id="rId19"/>
+    <p:sldId id="2146847068" r:id="rId20"/>
+    <p:sldId id="268" r:id="rId21"/>
+    <p:sldId id="2146847055" r:id="rId22"/>
+    <p:sldId id="269" r:id="rId23"/>
+    <p:sldId id="2146847070" r:id="rId24"/>
+    <p:sldId id="2146847059" r:id="rId25"/>
+    <p:sldId id="2146847060" r:id="rId26"/>
+    <p:sldId id="2146847061" r:id="rId27"/>
+    <p:sldId id="259" r:id="rId28"/>
   </p:sldIdLst>
   <p:sldSz cx="12192000" cy="6858000"/>
   <p:notesSz cx="6858000" cy="9144000"/>
@@ -4498,6 +4500,13 @@
   <p:clrMapOvr>
     <a:masterClrMapping/>
   </p:clrMapOvr>
+  <p:timing>
+    <p:tnLst>
+      <p:par>
+        <p:cTn id="1" dur="indefinite" restart="never" nodeType="tmRoot"/>
+      </p:par>
+    </p:tnLst>
+  </p:timing>
 </p:sld>
 </file>
 
@@ -5722,6 +5731,612 @@
               </a:lnSpc>
               <a:buNone/>
             </a:pPr>
+            <a:endParaRPr lang="en-US" sz="2400" b="1" dirty="0" smtClean="0">
+              <a:solidFill>
+                <a:schemeClr val="accent1"/>
+              </a:solidFill>
+              <a:latin typeface="Arial"/>
+              <a:ea typeface="+mj-lt"/>
+              <a:cs typeface="Arial"/>
+            </a:endParaRPr>
+          </a:p>
+          <a:p>
+            <a:pPr marL="0" indent="0">
+              <a:lnSpc>
+                <a:spcPct val="100000"/>
+              </a:lnSpc>
+              <a:buNone/>
+            </a:pPr>
+            <a:endParaRPr lang="en-US" sz="2400" b="1" dirty="0">
+              <a:solidFill>
+                <a:schemeClr val="accent1"/>
+              </a:solidFill>
+              <a:latin typeface="Arial"/>
+              <a:ea typeface="+mj-lt"/>
+              <a:cs typeface="Arial"/>
+            </a:endParaRPr>
+          </a:p>
+          <a:p>
+            <a:pPr marL="0" indent="0">
+              <a:lnSpc>
+                <a:spcPct val="100000"/>
+              </a:lnSpc>
+              <a:buNone/>
+            </a:pPr>
+            <a:endParaRPr lang="en-US" sz="2400" b="1" dirty="0" smtClean="0">
+              <a:solidFill>
+                <a:schemeClr val="accent1"/>
+              </a:solidFill>
+              <a:latin typeface="Arial"/>
+              <a:ea typeface="+mj-lt"/>
+              <a:cs typeface="Arial"/>
+            </a:endParaRPr>
+          </a:p>
+          <a:p>
+            <a:pPr marL="0" indent="0">
+              <a:lnSpc>
+                <a:spcPct val="100000"/>
+              </a:lnSpc>
+              <a:buNone/>
+            </a:pPr>
+            <a:endParaRPr lang="en-US" sz="2400" b="1" dirty="0">
+              <a:solidFill>
+                <a:schemeClr val="accent1"/>
+              </a:solidFill>
+              <a:latin typeface="Arial"/>
+              <a:ea typeface="+mj-lt"/>
+              <a:cs typeface="Arial"/>
+            </a:endParaRPr>
+          </a:p>
+          <a:p>
+            <a:pPr marL="0" indent="0">
+              <a:lnSpc>
+                <a:spcPct val="100000"/>
+              </a:lnSpc>
+              <a:buNone/>
+            </a:pPr>
+            <a:endParaRPr lang="en-US" sz="2400" b="1" dirty="0" smtClean="0">
+              <a:solidFill>
+                <a:schemeClr val="accent1"/>
+              </a:solidFill>
+              <a:latin typeface="Arial"/>
+              <a:ea typeface="+mj-lt"/>
+              <a:cs typeface="Arial"/>
+            </a:endParaRPr>
+          </a:p>
+          <a:p>
+            <a:pPr marL="0" indent="0">
+              <a:lnSpc>
+                <a:spcPct val="100000"/>
+              </a:lnSpc>
+              <a:buNone/>
+            </a:pPr>
+            <a:endParaRPr lang="en-US" sz="2400" b="1" dirty="0">
+              <a:solidFill>
+                <a:schemeClr val="accent1"/>
+              </a:solidFill>
+              <a:latin typeface="Arial"/>
+              <a:ea typeface="+mj-lt"/>
+              <a:cs typeface="Arial"/>
+            </a:endParaRPr>
+          </a:p>
+          <a:p>
+            <a:pPr marL="0" indent="0">
+              <a:lnSpc>
+                <a:spcPct val="100000"/>
+              </a:lnSpc>
+              <a:buNone/>
+            </a:pPr>
+            <a:endParaRPr lang="en-US" sz="2400" b="1" dirty="0" smtClean="0">
+              <a:solidFill>
+                <a:schemeClr val="accent1"/>
+              </a:solidFill>
+              <a:latin typeface="Arial"/>
+              <a:ea typeface="+mj-lt"/>
+              <a:cs typeface="Arial"/>
+            </a:endParaRPr>
+          </a:p>
+          <a:p>
+            <a:pPr marL="0" indent="0">
+              <a:lnSpc>
+                <a:spcPct val="100000"/>
+              </a:lnSpc>
+              <a:buNone/>
+            </a:pPr>
+            <a:endParaRPr lang="en-US" sz="2400" b="1" dirty="0">
+              <a:solidFill>
+                <a:schemeClr val="accent1"/>
+              </a:solidFill>
+              <a:latin typeface="Arial"/>
+              <a:ea typeface="+mj-lt"/>
+              <a:cs typeface="Arial"/>
+            </a:endParaRPr>
+          </a:p>
+          <a:p>
+            <a:pPr marL="0" indent="0">
+              <a:lnSpc>
+                <a:spcPct val="100000"/>
+              </a:lnSpc>
+              <a:buNone/>
+            </a:pPr>
+            <a:endParaRPr lang="en-US" sz="2400" b="1" dirty="0" smtClean="0">
+              <a:solidFill>
+                <a:schemeClr val="accent1"/>
+              </a:solidFill>
+              <a:latin typeface="Arial"/>
+              <a:ea typeface="+mj-lt"/>
+              <a:cs typeface="Arial"/>
+            </a:endParaRPr>
+          </a:p>
+          <a:p>
+            <a:pPr marL="0" indent="0">
+              <a:lnSpc>
+                <a:spcPct val="100000"/>
+              </a:lnSpc>
+              <a:buNone/>
+            </a:pPr>
+            <a:endParaRPr lang="en-IN" sz="2400" dirty="0"/>
+          </a:p>
+        </p:txBody>
+      </p:sp>
+      <p:pic>
+        <p:nvPicPr>
+          <p:cNvPr id="4" name="Picture 3"/>
+          <p:cNvPicPr>
+            <a:picLocks noChangeAspect="1"/>
+          </p:cNvPicPr>
+          <p:nvPr/>
+        </p:nvPicPr>
+        <p:blipFill>
+          <a:blip r:embed="rId2">
+            <a:extLst>
+              <a:ext uri="{28A0092B-C50C-407E-A947-70E740481C1C}">
+                <a14:useLocalDpi xmlns:a14="http://schemas.microsoft.com/office/drawing/2010/main" val="0"/>
+              </a:ext>
+            </a:extLst>
+          </a:blip>
+          <a:stretch>
+            <a:fillRect/>
+          </a:stretch>
+        </p:blipFill>
+        <p:spPr>
+          <a:xfrm>
+            <a:off x="0" y="1143000"/>
+            <a:ext cx="12192000" cy="5221318"/>
+          </a:xfrm>
+          <a:prstGeom prst="rect">
+            <a:avLst/>
+          </a:prstGeom>
+        </p:spPr>
+      </p:pic>
+    </p:spTree>
+    <p:extLst>
+      <p:ext uri="{BB962C8B-B14F-4D97-AF65-F5344CB8AC3E}">
+        <p14:creationId xmlns:p14="http://schemas.microsoft.com/office/powerpoint/2010/main" val="82464139"/>
+      </p:ext>
+    </p:extLst>
+  </p:cSld>
+  <p:clrMapOvr>
+    <a:masterClrMapping/>
+  </p:clrMapOvr>
+  <p:timing>
+    <p:tnLst>
+      <p:par>
+        <p:cTn id="1" dur="indefinite" restart="never" nodeType="tmRoot"/>
+      </p:par>
+    </p:tnLst>
+  </p:timing>
+</p:sld>
+</file>
+
+<file path=ppt/slides/slide15.xml><?xml version="1.0" encoding="utf-8"?>
+<p:sld xmlns:a="http://schemas.openxmlformats.org/drawingml/2006/main" xmlns:r="http://schemas.openxmlformats.org/officeDocument/2006/relationships" xmlns:p="http://schemas.openxmlformats.org/presentationml/2006/main">
+  <p:cSld>
+    <p:spTree>
+      <p:nvGrpSpPr>
+        <p:cNvPr id="1" name=""/>
+        <p:cNvGrpSpPr/>
+        <p:nvPr/>
+      </p:nvGrpSpPr>
+      <p:grpSpPr>
+        <a:xfrm>
+          <a:off x="0" y="0"/>
+          <a:ext cx="0" cy="0"/>
+          <a:chOff x="0" y="0"/>
+          <a:chExt cx="0" cy="0"/>
+        </a:xfrm>
+      </p:grpSpPr>
+      <p:sp>
+        <p:nvSpPr>
+          <p:cNvPr id="5" name="Title 4">
+            <a:extLst>
+              <a:ext uri="{FF2B5EF4-FFF2-40B4-BE49-F238E27FC236}">
+                <a16:creationId xmlns:a16="http://schemas.microsoft.com/office/drawing/2014/main" id="{8FBA75B4-2DD5-42EB-9397-F36BFB8BA723}"/>
+              </a:ext>
+            </a:extLst>
+          </p:cNvPr>
+          <p:cNvSpPr>
+            <a:spLocks noGrp="1"/>
+          </p:cNvSpPr>
+          <p:nvPr>
+            <p:ph type="title"/>
+          </p:nvPr>
+        </p:nvSpPr>
+        <p:spPr>
+          <a:xfrm>
+            <a:off x="581192" y="546100"/>
+            <a:ext cx="11029616" cy="596900"/>
+          </a:xfrm>
+        </p:spPr>
+        <p:txBody>
+          <a:bodyPr>
+            <a:normAutofit fontScale="90000"/>
+          </a:bodyPr>
+          <a:lstStyle/>
+          <a:p>
+            <a:r>
+              <a:rPr lang="en-US" sz="4000" b="1" dirty="0" smtClean="0">
+                <a:solidFill>
+                  <a:schemeClr val="accent1"/>
+                </a:solidFill>
+                <a:latin typeface="Arial"/>
+                <a:ea typeface="+mj-lt"/>
+                <a:cs typeface="Arial"/>
+              </a:rPr>
+              <a:t>Result</a:t>
+            </a:r>
+            <a:r>
+              <a:rPr lang="en-US" sz="4400" b="1" dirty="0" smtClean="0">
+                <a:solidFill>
+                  <a:schemeClr val="accent1"/>
+                </a:solidFill>
+                <a:latin typeface="Arial"/>
+                <a:ea typeface="+mj-lt"/>
+                <a:cs typeface="Arial"/>
+              </a:rPr>
+              <a:t>:</a:t>
+            </a:r>
+            <a:endParaRPr lang="en-US" dirty="0"/>
+          </a:p>
+        </p:txBody>
+      </p:sp>
+      <p:sp>
+        <p:nvSpPr>
+          <p:cNvPr id="2" name="Content Placeholder 1">
+            <a:extLst>
+              <a:ext uri="{FF2B5EF4-FFF2-40B4-BE49-F238E27FC236}">
+                <a16:creationId xmlns:a16="http://schemas.microsoft.com/office/drawing/2014/main" id="{D3304455-6802-6CA9-8475-2F6DD1B8D409}"/>
+              </a:ext>
+            </a:extLst>
+          </p:cNvPr>
+          <p:cNvSpPr>
+            <a:spLocks noGrp="1"/>
+          </p:cNvSpPr>
+          <p:nvPr>
+            <p:ph idx="1"/>
+          </p:nvPr>
+        </p:nvSpPr>
+        <p:spPr>
+          <a:xfrm>
+            <a:off x="379486" y="1248238"/>
+            <a:ext cx="11029615" cy="4673324"/>
+          </a:xfrm>
+        </p:spPr>
+        <p:txBody>
+          <a:bodyPr>
+            <a:normAutofit/>
+          </a:bodyPr>
+          <a:lstStyle/>
+          <a:p>
+            <a:pPr marL="0" indent="0">
+              <a:lnSpc>
+                <a:spcPct val="100000"/>
+              </a:lnSpc>
+              <a:buNone/>
+            </a:pPr>
+            <a:endParaRPr lang="en-US" sz="2400" b="1" dirty="0" smtClean="0">
+              <a:solidFill>
+                <a:schemeClr val="accent1"/>
+              </a:solidFill>
+              <a:latin typeface="Arial"/>
+              <a:ea typeface="+mj-lt"/>
+              <a:cs typeface="Arial"/>
+            </a:endParaRPr>
+          </a:p>
+          <a:p>
+            <a:pPr marL="0" indent="0">
+              <a:lnSpc>
+                <a:spcPct val="100000"/>
+              </a:lnSpc>
+              <a:buNone/>
+            </a:pPr>
+            <a:endParaRPr lang="en-US" sz="2400" b="1" dirty="0">
+              <a:solidFill>
+                <a:schemeClr val="accent1"/>
+              </a:solidFill>
+              <a:latin typeface="Arial"/>
+              <a:ea typeface="+mj-lt"/>
+              <a:cs typeface="Arial"/>
+            </a:endParaRPr>
+          </a:p>
+          <a:p>
+            <a:pPr marL="0" indent="0">
+              <a:lnSpc>
+                <a:spcPct val="100000"/>
+              </a:lnSpc>
+              <a:buNone/>
+            </a:pPr>
+            <a:endParaRPr lang="en-US" sz="2400" b="1" dirty="0" smtClean="0">
+              <a:solidFill>
+                <a:schemeClr val="accent1"/>
+              </a:solidFill>
+              <a:latin typeface="Arial"/>
+              <a:ea typeface="+mj-lt"/>
+              <a:cs typeface="Arial"/>
+            </a:endParaRPr>
+          </a:p>
+          <a:p>
+            <a:pPr marL="0" indent="0">
+              <a:lnSpc>
+                <a:spcPct val="100000"/>
+              </a:lnSpc>
+              <a:buNone/>
+            </a:pPr>
+            <a:endParaRPr lang="en-US" sz="2400" b="1" dirty="0">
+              <a:solidFill>
+                <a:schemeClr val="accent1"/>
+              </a:solidFill>
+              <a:latin typeface="Arial"/>
+              <a:ea typeface="+mj-lt"/>
+              <a:cs typeface="Arial"/>
+            </a:endParaRPr>
+          </a:p>
+          <a:p>
+            <a:pPr marL="0" indent="0">
+              <a:lnSpc>
+                <a:spcPct val="100000"/>
+              </a:lnSpc>
+              <a:buNone/>
+            </a:pPr>
+            <a:endParaRPr lang="en-US" sz="2400" b="1" dirty="0" smtClean="0">
+              <a:solidFill>
+                <a:schemeClr val="accent1"/>
+              </a:solidFill>
+              <a:latin typeface="Arial"/>
+              <a:ea typeface="+mj-lt"/>
+              <a:cs typeface="Arial"/>
+            </a:endParaRPr>
+          </a:p>
+          <a:p>
+            <a:pPr marL="0" indent="0">
+              <a:lnSpc>
+                <a:spcPct val="100000"/>
+              </a:lnSpc>
+              <a:buNone/>
+            </a:pPr>
+            <a:endParaRPr lang="en-US" sz="2400" b="1" dirty="0">
+              <a:solidFill>
+                <a:schemeClr val="accent1"/>
+              </a:solidFill>
+              <a:latin typeface="Arial"/>
+              <a:ea typeface="+mj-lt"/>
+              <a:cs typeface="Arial"/>
+            </a:endParaRPr>
+          </a:p>
+          <a:p>
+            <a:pPr marL="0" indent="0">
+              <a:lnSpc>
+                <a:spcPct val="100000"/>
+              </a:lnSpc>
+              <a:buNone/>
+            </a:pPr>
+            <a:endParaRPr lang="en-US" sz="2400" b="1" dirty="0" smtClean="0">
+              <a:solidFill>
+                <a:schemeClr val="accent1"/>
+              </a:solidFill>
+              <a:latin typeface="Arial"/>
+              <a:ea typeface="+mj-lt"/>
+              <a:cs typeface="Arial"/>
+            </a:endParaRPr>
+          </a:p>
+          <a:p>
+            <a:pPr marL="0" indent="0">
+              <a:lnSpc>
+                <a:spcPct val="100000"/>
+              </a:lnSpc>
+              <a:buNone/>
+            </a:pPr>
+            <a:endParaRPr lang="en-US" sz="2400" b="1" dirty="0">
+              <a:solidFill>
+                <a:schemeClr val="accent1"/>
+              </a:solidFill>
+              <a:latin typeface="Arial"/>
+              <a:ea typeface="+mj-lt"/>
+              <a:cs typeface="Arial"/>
+            </a:endParaRPr>
+          </a:p>
+          <a:p>
+            <a:pPr marL="0" indent="0">
+              <a:lnSpc>
+                <a:spcPct val="100000"/>
+              </a:lnSpc>
+              <a:buNone/>
+            </a:pPr>
+            <a:endParaRPr lang="en-US" sz="2400" b="1" dirty="0" smtClean="0">
+              <a:solidFill>
+                <a:schemeClr val="accent1"/>
+              </a:solidFill>
+              <a:latin typeface="Arial"/>
+              <a:ea typeface="+mj-lt"/>
+              <a:cs typeface="Arial"/>
+            </a:endParaRPr>
+          </a:p>
+          <a:p>
+            <a:pPr marL="0" indent="0">
+              <a:lnSpc>
+                <a:spcPct val="100000"/>
+              </a:lnSpc>
+              <a:buNone/>
+            </a:pPr>
+            <a:endParaRPr lang="en-IN" sz="2400" dirty="0"/>
+          </a:p>
+        </p:txBody>
+      </p:sp>
+      <p:pic>
+        <p:nvPicPr>
+          <p:cNvPr id="3" name="Picture 2"/>
+          <p:cNvPicPr>
+            <a:picLocks noChangeAspect="1"/>
+          </p:cNvPicPr>
+          <p:nvPr/>
+        </p:nvPicPr>
+        <p:blipFill>
+          <a:blip r:embed="rId2">
+            <a:extLst>
+              <a:ext uri="{28A0092B-C50C-407E-A947-70E740481C1C}">
+                <a14:useLocalDpi xmlns:a14="http://schemas.microsoft.com/office/drawing/2010/main" val="0"/>
+              </a:ext>
+            </a:extLst>
+          </a:blip>
+          <a:stretch>
+            <a:fillRect/>
+          </a:stretch>
+        </p:blipFill>
+        <p:spPr>
+          <a:xfrm>
+            <a:off x="0" y="1248238"/>
+            <a:ext cx="12192000" cy="5221318"/>
+          </a:xfrm>
+          <a:prstGeom prst="rect">
+            <a:avLst/>
+          </a:prstGeom>
+        </p:spPr>
+      </p:pic>
+    </p:spTree>
+    <p:extLst>
+      <p:ext uri="{BB962C8B-B14F-4D97-AF65-F5344CB8AC3E}">
+        <p14:creationId xmlns:p14="http://schemas.microsoft.com/office/powerpoint/2010/main" val="1371928441"/>
+      </p:ext>
+    </p:extLst>
+  </p:cSld>
+  <p:clrMapOvr>
+    <a:masterClrMapping/>
+  </p:clrMapOvr>
+  <p:timing>
+    <p:tnLst>
+      <p:par>
+        <p:cTn id="1" dur="indefinite" restart="never" nodeType="tmRoot"/>
+      </p:par>
+    </p:tnLst>
+  </p:timing>
+</p:sld>
+</file>
+
+<file path=ppt/slides/slide16.xml><?xml version="1.0" encoding="utf-8"?>
+<p:sld xmlns:a="http://schemas.openxmlformats.org/drawingml/2006/main" xmlns:r="http://schemas.openxmlformats.org/officeDocument/2006/relationships" xmlns:p="http://schemas.openxmlformats.org/presentationml/2006/main">
+  <p:cSld>
+    <p:spTree>
+      <p:nvGrpSpPr>
+        <p:cNvPr id="1" name=""/>
+        <p:cNvGrpSpPr/>
+        <p:nvPr/>
+      </p:nvGrpSpPr>
+      <p:grpSpPr>
+        <a:xfrm>
+          <a:off x="0" y="0"/>
+          <a:ext cx="0" cy="0"/>
+          <a:chOff x="0" y="0"/>
+          <a:chExt cx="0" cy="0"/>
+        </a:xfrm>
+      </p:grpSpPr>
+      <p:sp>
+        <p:nvSpPr>
+          <p:cNvPr id="5" name="Title 4">
+            <a:extLst>
+              <a:ext uri="{FF2B5EF4-FFF2-40B4-BE49-F238E27FC236}">
+                <a16:creationId xmlns:a16="http://schemas.microsoft.com/office/drawing/2014/main" id="{8FBA75B4-2DD5-42EB-9397-F36BFB8BA723}"/>
+              </a:ext>
+            </a:extLst>
+          </p:cNvPr>
+          <p:cNvSpPr>
+            <a:spLocks noGrp="1"/>
+          </p:cNvSpPr>
+          <p:nvPr>
+            <p:ph type="title"/>
+          </p:nvPr>
+        </p:nvSpPr>
+        <p:spPr>
+          <a:xfrm>
+            <a:off x="581192" y="546100"/>
+            <a:ext cx="11029616" cy="596900"/>
+          </a:xfrm>
+        </p:spPr>
+        <p:txBody>
+          <a:bodyPr>
+            <a:normAutofit fontScale="90000"/>
+          </a:bodyPr>
+          <a:lstStyle/>
+          <a:p>
+            <a:r>
+              <a:rPr lang="en-US" sz="4000" b="1" dirty="0" smtClean="0">
+                <a:solidFill>
+                  <a:schemeClr val="accent1"/>
+                </a:solidFill>
+                <a:latin typeface="Arial"/>
+                <a:ea typeface="+mj-lt"/>
+                <a:cs typeface="Arial"/>
+              </a:rPr>
+              <a:t>Result</a:t>
+            </a:r>
+            <a:r>
+              <a:rPr lang="en-US" sz="4400" b="1" dirty="0" smtClean="0">
+                <a:solidFill>
+                  <a:schemeClr val="accent1"/>
+                </a:solidFill>
+                <a:latin typeface="Arial"/>
+                <a:ea typeface="+mj-lt"/>
+                <a:cs typeface="Arial"/>
+              </a:rPr>
+              <a:t>:</a:t>
+            </a:r>
+            <a:endParaRPr lang="en-US" dirty="0"/>
+          </a:p>
+        </p:txBody>
+      </p:sp>
+      <p:sp>
+        <p:nvSpPr>
+          <p:cNvPr id="2" name="Content Placeholder 1">
+            <a:extLst>
+              <a:ext uri="{FF2B5EF4-FFF2-40B4-BE49-F238E27FC236}">
+                <a16:creationId xmlns:a16="http://schemas.microsoft.com/office/drawing/2014/main" id="{D3304455-6802-6CA9-8475-2F6DD1B8D409}"/>
+              </a:ext>
+            </a:extLst>
+          </p:cNvPr>
+          <p:cNvSpPr>
+            <a:spLocks noGrp="1"/>
+          </p:cNvSpPr>
+          <p:nvPr>
+            <p:ph idx="1"/>
+          </p:nvPr>
+        </p:nvSpPr>
+        <p:spPr>
+          <a:xfrm>
+            <a:off x="379486" y="1248238"/>
+            <a:ext cx="11029615" cy="4673324"/>
+          </a:xfrm>
+        </p:spPr>
+        <p:txBody>
+          <a:bodyPr>
+            <a:normAutofit/>
+          </a:bodyPr>
+          <a:lstStyle/>
+          <a:p>
+            <a:pPr marL="0" indent="0">
+              <a:lnSpc>
+                <a:spcPct val="100000"/>
+              </a:lnSpc>
+              <a:buNone/>
+            </a:pPr>
             <a:r>
               <a:rPr lang="en-US" sz="2400" b="1" u="sng" dirty="0" smtClean="0">
                 <a:solidFill>
@@ -5934,7 +6549,7 @@
 </p:sld>
 </file>
 
-<file path=ppt/slides/slide15.xml><?xml version="1.0" encoding="utf-8"?>
+<file path=ppt/slides/slide17.xml><?xml version="1.0" encoding="utf-8"?>
 <p:sld xmlns:a="http://schemas.openxmlformats.org/drawingml/2006/main" xmlns:r="http://schemas.openxmlformats.org/officeDocument/2006/relationships" xmlns:p="http://schemas.openxmlformats.org/presentationml/2006/main">
   <p:cSld>
     <p:spTree>
@@ -6045,7 +6660,7 @@
 </p:sld>
 </file>
 
-<file path=ppt/slides/slide16.xml><?xml version="1.0" encoding="utf-8"?>
+<file path=ppt/slides/slide18.xml><?xml version="1.0" encoding="utf-8"?>
 <p:sld xmlns:a="http://schemas.openxmlformats.org/drawingml/2006/main" xmlns:r="http://schemas.openxmlformats.org/officeDocument/2006/relationships" xmlns:p="http://schemas.openxmlformats.org/presentationml/2006/main">
   <p:cSld>
     <p:spTree>
@@ -6288,7 +6903,7 @@
 </p:sld>
 </file>
 
-<file path=ppt/slides/slide17.xml><?xml version="1.0" encoding="utf-8"?>
+<file path=ppt/slides/slide19.xml><?xml version="1.0" encoding="utf-8"?>
 <p:sld xmlns:a="http://schemas.openxmlformats.org/drawingml/2006/main" xmlns:r="http://schemas.openxmlformats.org/officeDocument/2006/relationships" xmlns:p="http://schemas.openxmlformats.org/presentationml/2006/main">
   <p:cSld>
     <p:spTree>
@@ -6802,7 +7417,7 @@
 </p:sld>
 </file>
 
-<file path=ppt/slides/slide18.xml><?xml version="1.0" encoding="utf-8"?>
+<file path=ppt/slides/slide2.xml><?xml version="1.0" encoding="utf-8"?>
 <p:sld xmlns:a="http://schemas.openxmlformats.org/drawingml/2006/main" xmlns:r="http://schemas.openxmlformats.org/officeDocument/2006/relationships" xmlns:p="http://schemas.openxmlformats.org/presentationml/2006/main">
   <p:cSld>
     <p:spTree>
@@ -6821,6 +7436,319 @@
       </p:grpSpPr>
       <p:sp>
         <p:nvSpPr>
+          <p:cNvPr id="2" name="Title 1">
+            <a:extLst>
+              <a:ext uri="{FF2B5EF4-FFF2-40B4-BE49-F238E27FC236}">
+                <a16:creationId xmlns:a16="http://schemas.microsoft.com/office/drawing/2014/main" id="{49FFEB4C-F209-4AE7-AA2B-B3C26CE2C51D}"/>
+              </a:ext>
+            </a:extLst>
+          </p:cNvPr>
+          <p:cNvSpPr>
+            <a:spLocks noGrp="1"/>
+          </p:cNvSpPr>
+          <p:nvPr>
+            <p:ph type="title"/>
+          </p:nvPr>
+        </p:nvSpPr>
+        <p:spPr>
+          <a:xfrm>
+            <a:off x="849573" y="558468"/>
+            <a:ext cx="10515600" cy="826579"/>
+          </a:xfrm>
+        </p:spPr>
+        <p:txBody>
+          <a:bodyPr/>
+          <a:lstStyle/>
+          <a:p>
+            <a:r>
+              <a:rPr lang="en-US" b="1" dirty="0">
+                <a:solidFill>
+                  <a:srgbClr val="002060"/>
+                </a:solidFill>
+                <a:latin typeface="Arial" panose="020B0604020202020204" pitchFamily="34" charset="0"/>
+                <a:cs typeface="Arial" panose="020B0604020202020204" pitchFamily="34" charset="0"/>
+              </a:rPr>
+              <a:t>OUTLINE</a:t>
+            </a:r>
+          </a:p>
+        </p:txBody>
+      </p:sp>
+      <p:sp>
+        <p:nvSpPr>
+          <p:cNvPr id="3" name="Content Placeholder 2">
+            <a:extLst>
+              <a:ext uri="{FF2B5EF4-FFF2-40B4-BE49-F238E27FC236}">
+                <a16:creationId xmlns:a16="http://schemas.microsoft.com/office/drawing/2014/main" id="{B2678641-EEA3-4EC4-BF39-4075B0C120E8}"/>
+              </a:ext>
+            </a:extLst>
+          </p:cNvPr>
+          <p:cNvSpPr>
+            <a:spLocks noGrp="1"/>
+          </p:cNvSpPr>
+          <p:nvPr>
+            <p:ph idx="1"/>
+          </p:nvPr>
+        </p:nvSpPr>
+        <p:spPr>
+          <a:xfrm>
+            <a:off x="838200" y="1385047"/>
+            <a:ext cx="11019020" cy="4988859"/>
+          </a:xfrm>
+        </p:spPr>
+        <p:txBody>
+          <a:bodyPr vert="horz" lIns="91440" tIns="45720" rIns="91440" bIns="45720" rtlCol="0" anchor="t">
+            <a:noAutofit/>
+          </a:bodyPr>
+          <a:lstStyle/>
+          <a:p>
+            <a:pPr marL="0" indent="0">
+              <a:buNone/>
+            </a:pPr>
+            <a:r>
+              <a:rPr lang="en-US" sz="2000" b="1" dirty="0">
+                <a:latin typeface="Arial"/>
+                <a:ea typeface="+mn-lt"/>
+                <a:cs typeface="Arial"/>
+              </a:rPr>
+              <a:t>  </a:t>
+            </a:r>
+            <a:endParaRPr lang="en-US" dirty="0">
+              <a:latin typeface="Arial"/>
+              <a:cs typeface="Arial"/>
+            </a:endParaRPr>
+          </a:p>
+          <a:p>
+            <a:pPr marL="305435" indent="-305435"/>
+            <a:r>
+              <a:rPr lang="en-US" sz="2000" b="1" dirty="0">
+                <a:latin typeface="Arial"/>
+                <a:ea typeface="+mn-lt"/>
+                <a:cs typeface="Arial"/>
+              </a:rPr>
+              <a:t>Problem Statement </a:t>
+            </a:r>
+            <a:endParaRPr lang="en-US" sz="2000" b="1" dirty="0" smtClean="0">
+              <a:latin typeface="Arial"/>
+              <a:ea typeface="+mn-lt"/>
+              <a:cs typeface="Arial"/>
+            </a:endParaRPr>
+          </a:p>
+          <a:p>
+            <a:pPr marL="305435" indent="-305435"/>
+            <a:r>
+              <a:rPr lang="en-US" sz="2000" b="1" dirty="0" smtClean="0">
+                <a:latin typeface="Arial"/>
+                <a:ea typeface="+mn-lt"/>
+                <a:cs typeface="Arial"/>
+              </a:rPr>
+              <a:t>Proposed </a:t>
+            </a:r>
+            <a:r>
+              <a:rPr lang="en-US" sz="2000" b="1" dirty="0">
+                <a:latin typeface="Arial"/>
+                <a:ea typeface="+mn-lt"/>
+                <a:cs typeface="Arial"/>
+              </a:rPr>
+              <a:t>System/Solution</a:t>
+            </a:r>
+            <a:endParaRPr lang="en-US" dirty="0">
+              <a:latin typeface="Arial"/>
+              <a:cs typeface="Arial"/>
+            </a:endParaRPr>
+          </a:p>
+          <a:p>
+            <a:pPr marL="305435" indent="-305435"/>
+            <a:r>
+              <a:rPr lang="en-US" sz="2000" b="1" dirty="0">
+                <a:latin typeface="Arial"/>
+                <a:ea typeface="+mn-lt"/>
+                <a:cs typeface="Calibri"/>
+              </a:rPr>
+              <a:t>System </a:t>
+            </a:r>
+            <a:r>
+              <a:rPr lang="en-US" sz="2000" b="1" dirty="0">
+                <a:latin typeface="Arial"/>
+                <a:ea typeface="+mn-lt"/>
+                <a:cs typeface="+mn-lt"/>
+              </a:rPr>
+              <a:t>Development </a:t>
+            </a:r>
+            <a:r>
+              <a:rPr lang="en-US" sz="2000" b="1" dirty="0" smtClean="0">
+                <a:latin typeface="Arial"/>
+                <a:ea typeface="+mn-lt"/>
+                <a:cs typeface="+mn-lt"/>
+              </a:rPr>
+              <a:t>Approach</a:t>
+            </a:r>
+          </a:p>
+          <a:p>
+            <a:pPr marL="305435" indent="-305435"/>
+            <a:r>
+              <a:rPr lang="en-US" sz="2000" b="1" dirty="0" err="1" smtClean="0">
+                <a:latin typeface="Arial"/>
+                <a:ea typeface="+mn-lt"/>
+                <a:cs typeface="+mn-lt"/>
+              </a:rPr>
+              <a:t>Techonology</a:t>
+            </a:r>
+            <a:r>
+              <a:rPr lang="en-US" sz="2000" b="1" dirty="0" smtClean="0">
+                <a:latin typeface="Arial"/>
+                <a:ea typeface="+mn-lt"/>
+                <a:cs typeface="+mn-lt"/>
+              </a:rPr>
+              <a:t> Used</a:t>
+            </a:r>
+          </a:p>
+          <a:p>
+            <a:pPr marL="305435" indent="-305435"/>
+            <a:r>
+              <a:rPr lang="en-US" sz="2000" b="1" dirty="0" smtClean="0">
+                <a:latin typeface="Arial"/>
+                <a:ea typeface="+mn-lt"/>
+                <a:cs typeface="+mn-lt"/>
+              </a:rPr>
+              <a:t>Wow Factors </a:t>
+            </a:r>
+          </a:p>
+          <a:p>
+            <a:pPr marL="305435" indent="-305435"/>
+            <a:r>
+              <a:rPr lang="en-US" sz="2000" b="1" dirty="0">
+                <a:latin typeface="Arial"/>
+                <a:ea typeface="+mn-lt"/>
+                <a:cs typeface="Arial"/>
+              </a:rPr>
+              <a:t>Result </a:t>
+            </a:r>
+            <a:r>
+              <a:rPr lang="en-US" sz="2000" b="1" dirty="0" smtClean="0">
+                <a:latin typeface="Arial"/>
+                <a:ea typeface="+mn-lt"/>
+                <a:cs typeface="Arial"/>
+              </a:rPr>
+              <a:t>Conclusion</a:t>
+            </a:r>
+            <a:endParaRPr lang="en-US" sz="2000" b="1" dirty="0" smtClean="0">
+              <a:latin typeface="Arial"/>
+              <a:ea typeface="+mn-lt"/>
+              <a:cs typeface="+mn-lt"/>
+            </a:endParaRPr>
+          </a:p>
+          <a:p>
+            <a:pPr marL="305435" indent="-305435"/>
+            <a:r>
+              <a:rPr lang="en-US" sz="2000" b="1" dirty="0" smtClean="0">
+                <a:latin typeface="Arial"/>
+                <a:ea typeface="+mn-lt"/>
+                <a:cs typeface="Arial"/>
+              </a:rPr>
+              <a:t>Future </a:t>
+            </a:r>
+            <a:r>
+              <a:rPr lang="en-US" sz="2000" b="1" dirty="0">
+                <a:latin typeface="Arial"/>
+                <a:ea typeface="+mn-lt"/>
+                <a:cs typeface="Arial"/>
+              </a:rPr>
+              <a:t>Scope</a:t>
+            </a:r>
+          </a:p>
+          <a:p>
+            <a:pPr marL="305435" indent="-305435"/>
+            <a:r>
+              <a:rPr lang="en-US" sz="2000" b="1" dirty="0" smtClean="0">
+                <a:latin typeface="Arial"/>
+                <a:ea typeface="+mn-lt"/>
+                <a:cs typeface="Arial"/>
+              </a:rPr>
+              <a:t>References</a:t>
+            </a:r>
+          </a:p>
+          <a:p>
+            <a:pPr marL="305435" indent="-305435"/>
+            <a:r>
+              <a:rPr lang="en-US" sz="2000" b="1" dirty="0" err="1" smtClean="0">
+                <a:latin typeface="Arial"/>
+                <a:ea typeface="+mn-lt"/>
+                <a:cs typeface="Arial"/>
+              </a:rPr>
+              <a:t>Github</a:t>
+            </a:r>
+            <a:r>
+              <a:rPr lang="en-US" sz="2000" b="1" dirty="0" smtClean="0">
+                <a:latin typeface="Arial"/>
+                <a:ea typeface="+mn-lt"/>
+                <a:cs typeface="Arial"/>
+              </a:rPr>
+              <a:t> Link</a:t>
+            </a:r>
+          </a:p>
+          <a:p>
+            <a:pPr marL="305435" indent="-305435"/>
+            <a:r>
+              <a:rPr lang="en-US" sz="2000" b="1" dirty="0" err="1" smtClean="0">
+                <a:latin typeface="Arial"/>
+                <a:ea typeface="+mn-lt"/>
+                <a:cs typeface="Arial"/>
+              </a:rPr>
+              <a:t>Certifiactions</a:t>
+            </a:r>
+            <a:endParaRPr lang="en-US" dirty="0">
+              <a:latin typeface="Arial"/>
+              <a:cs typeface="Arial"/>
+            </a:endParaRPr>
+          </a:p>
+          <a:p>
+            <a:pPr marL="305435" indent="-305435"/>
+            <a:endParaRPr lang="en-US" dirty="0">
+              <a:latin typeface="Arial"/>
+              <a:cs typeface="Arial"/>
+            </a:endParaRPr>
+          </a:p>
+        </p:txBody>
+      </p:sp>
+    </p:spTree>
+    <p:extLst>
+      <p:ext uri="{BB962C8B-B14F-4D97-AF65-F5344CB8AC3E}">
+        <p14:creationId xmlns:p14="http://schemas.microsoft.com/office/powerpoint/2010/main" val="2900153716"/>
+      </p:ext>
+    </p:extLst>
+  </p:cSld>
+  <p:clrMapOvr>
+    <a:masterClrMapping/>
+  </p:clrMapOvr>
+  <p:timing>
+    <p:tnLst>
+      <p:par>
+        <p:cTn id="1" dur="indefinite" restart="never" nodeType="tmRoot"/>
+      </p:par>
+    </p:tnLst>
+  </p:timing>
+</p:sld>
+</file>
+
+<file path=ppt/slides/slide20.xml><?xml version="1.0" encoding="utf-8"?>
+<p:sld xmlns:a="http://schemas.openxmlformats.org/drawingml/2006/main" xmlns:r="http://schemas.openxmlformats.org/officeDocument/2006/relationships" xmlns:p="http://schemas.openxmlformats.org/presentationml/2006/main">
+  <p:cSld>
+    <p:spTree>
+      <p:nvGrpSpPr>
+        <p:cNvPr id="1" name=""/>
+        <p:cNvGrpSpPr/>
+        <p:nvPr/>
+      </p:nvGrpSpPr>
+      <p:grpSpPr>
+        <a:xfrm>
+          <a:off x="0" y="0"/>
+          <a:ext cx="0" cy="0"/>
+          <a:chOff x="0" y="0"/>
+          <a:chExt cx="0" cy="0"/>
+        </a:xfrm>
+      </p:grpSpPr>
+      <p:sp>
+        <p:nvSpPr>
           <p:cNvPr id="5" name="Title 4">
             <a:extLst>
               <a:ext uri="{FF2B5EF4-FFF2-40B4-BE49-F238E27FC236}">
@@ -6874,8 +7802,8 @@
         </p:nvSpPr>
         <p:spPr bwMode="auto">
           <a:xfrm>
-            <a:off x="581192" y="3058533"/>
-            <a:ext cx="184731" cy="369332"/>
+            <a:off x="4292580" y="6488668"/>
+            <a:ext cx="7419808" cy="369332"/>
           </a:xfrm>
           <a:prstGeom prst="rect">
             <a:avLst/>
@@ -6915,7 +7843,7 @@
           </a:extLst>
         </p:spPr>
         <p:txBody>
-          <a:bodyPr vert="horz" wrap="none" lIns="91440" tIns="45720" rIns="91440" bIns="45720" numCol="1" anchor="ctr" anchorCtr="0" compatLnSpc="1">
+          <a:bodyPr vert="horz" wrap="square" lIns="91440" tIns="45720" rIns="91440" bIns="45720" numCol="1" anchor="ctr" anchorCtr="0" compatLnSpc="1">
             <a:prstTxWarp prst="textNoShape">
               <a:avLst/>
             </a:prstTxWarp>
@@ -6923,7 +7851,7 @@
           </a:bodyPr>
           <a:lstStyle/>
           <a:p>
-            <a:pPr marL="0" marR="0" lvl="0" indent="0" algn="l" defTabSz="914400" rtl="0" eaLnBrk="0" fontAlgn="base" latinLnBrk="0" hangingPunct="0">
+            <a:pPr marL="0" lvl="0" indent="0" defTabSz="914400" eaLnBrk="0" fontAlgn="base" hangingPunct="0">
               <a:lnSpc>
                 <a:spcPct val="100000"/>
               </a:lnSpc>
@@ -6936,7 +7864,6 @@
               <a:buClrTx/>
               <a:buSzTx/>
               <a:buNone/>
-              <a:tabLst/>
             </a:pPr>
             <a:endParaRPr kumimoji="0" lang="en-US" altLang="en-US" sz="1800" b="0" i="1" u="none" strike="noStrike" cap="none" normalizeH="0" baseline="0" dirty="0" smtClean="0">
               <a:ln>
@@ -6948,6 +7875,34 @@
               <a:effectLst/>
               <a:latin typeface="Arial" panose="020B0604020202020204" pitchFamily="34" charset="0"/>
             </a:endParaRPr>
+          </a:p>
+        </p:txBody>
+      </p:sp>
+      <p:sp>
+        <p:nvSpPr>
+          <p:cNvPr id="2" name="Rectangle 1"/>
+          <p:cNvSpPr/>
+          <p:nvPr/>
+        </p:nvSpPr>
+        <p:spPr>
+          <a:xfrm>
+            <a:off x="944262" y="2736503"/>
+            <a:ext cx="6096000" cy="646331"/>
+          </a:xfrm>
+          <a:prstGeom prst="rect">
+            <a:avLst/>
+          </a:prstGeom>
+        </p:spPr>
+        <p:txBody>
+          <a:bodyPr>
+            <a:spAutoFit/>
+          </a:bodyPr>
+          <a:lstStyle/>
+          <a:p>
+            <a:r>
+              <a:rPr lang="en-IN" dirty="0"/>
+              <a:t>https://github.com/DSV05/Nutrition-Agent/blob/main/Nutrition_Agent.pptx</a:t>
+            </a:r>
           </a:p>
         </p:txBody>
       </p:sp>
@@ -6971,7 +7926,7 @@
 </p:sld>
 </file>
 
-<file path=ppt/slides/slide19.xml><?xml version="1.0" encoding="utf-8"?>
+<file path=ppt/slides/slide21.xml><?xml version="1.0" encoding="utf-8"?>
 <p:sld xmlns:a="http://schemas.openxmlformats.org/drawingml/2006/main" xmlns:r="http://schemas.openxmlformats.org/officeDocument/2006/relationships" xmlns:p="http://schemas.openxmlformats.org/presentationml/2006/main">
   <p:cSld>
     <p:spTree>
@@ -7041,21 +7996,40 @@
           <a:bodyPr/>
           <a:lstStyle/>
           <a:p>
-            <a:r>
-              <a:rPr lang="en-IN" dirty="0"/>
-              <a:t>Screenshot/ </a:t>
-            </a:r>
-            <a:r>
-              <a:rPr lang="en-IN" dirty="0" err="1"/>
-              <a:t>credly</a:t>
-            </a:r>
-            <a:r>
-              <a:rPr lang="en-IN" dirty="0"/>
-              <a:t> certificate( getting started with AI)</a:t>
-            </a:r>
-          </a:p>
-        </p:txBody>
-      </p:sp>
+            <a:endParaRPr lang="en-IN" dirty="0"/>
+          </a:p>
+        </p:txBody>
+      </p:sp>
+      <p:pic>
+        <p:nvPicPr>
+          <p:cNvPr id="4" name="Picture 3"/>
+          <p:cNvPicPr>
+            <a:picLocks noChangeAspect="1"/>
+          </p:cNvPicPr>
+          <p:nvPr/>
+        </p:nvPicPr>
+        <p:blipFill>
+          <a:blip r:embed="rId2">
+            <a:extLst>
+              <a:ext uri="{28A0092B-C50C-407E-A947-70E740481C1C}">
+                <a14:useLocalDpi xmlns:a14="http://schemas.microsoft.com/office/drawing/2010/main" val="0"/>
+              </a:ext>
+            </a:extLst>
+          </a:blip>
+          <a:stretch>
+            <a:fillRect/>
+          </a:stretch>
+        </p:blipFill>
+        <p:spPr>
+          <a:xfrm>
+            <a:off x="581193" y="1302026"/>
+            <a:ext cx="7231548" cy="4703846"/>
+          </a:xfrm>
+          <a:prstGeom prst="rect">
+            <a:avLst/>
+          </a:prstGeom>
+        </p:spPr>
+      </p:pic>
     </p:spTree>
     <p:extLst>
       <p:ext uri="{BB962C8B-B14F-4D97-AF65-F5344CB8AC3E}">
@@ -7076,435 +8050,6 @@
 </p:sld>
 </file>
 
-<file path=ppt/slides/slide2.xml><?xml version="1.0" encoding="utf-8"?>
-<p:sld xmlns:a="http://schemas.openxmlformats.org/drawingml/2006/main" xmlns:r="http://schemas.openxmlformats.org/officeDocument/2006/relationships" xmlns:p="http://schemas.openxmlformats.org/presentationml/2006/main">
-  <p:cSld>
-    <p:spTree>
-      <p:nvGrpSpPr>
-        <p:cNvPr id="1" name=""/>
-        <p:cNvGrpSpPr/>
-        <p:nvPr/>
-      </p:nvGrpSpPr>
-      <p:grpSpPr>
-        <a:xfrm>
-          <a:off x="0" y="0"/>
-          <a:ext cx="0" cy="0"/>
-          <a:chOff x="0" y="0"/>
-          <a:chExt cx="0" cy="0"/>
-        </a:xfrm>
-      </p:grpSpPr>
-      <p:sp>
-        <p:nvSpPr>
-          <p:cNvPr id="2" name="Title 1">
-            <a:extLst>
-              <a:ext uri="{FF2B5EF4-FFF2-40B4-BE49-F238E27FC236}">
-                <a16:creationId xmlns:a16="http://schemas.microsoft.com/office/drawing/2014/main" id="{49FFEB4C-F209-4AE7-AA2B-B3C26CE2C51D}"/>
-              </a:ext>
-            </a:extLst>
-          </p:cNvPr>
-          <p:cNvSpPr>
-            <a:spLocks noGrp="1"/>
-          </p:cNvSpPr>
-          <p:nvPr>
-            <p:ph type="title"/>
-          </p:nvPr>
-        </p:nvSpPr>
-        <p:spPr>
-          <a:xfrm>
-            <a:off x="849573" y="558468"/>
-            <a:ext cx="10515600" cy="1325563"/>
-          </a:xfrm>
-        </p:spPr>
-        <p:txBody>
-          <a:bodyPr/>
-          <a:lstStyle/>
-          <a:p>
-            <a:r>
-              <a:rPr lang="en-US" b="1">
-                <a:solidFill>
-                  <a:srgbClr val="002060"/>
-                </a:solidFill>
-                <a:latin typeface="Arial" panose="020B0604020202020204" pitchFamily="34" charset="0"/>
-                <a:cs typeface="Arial" panose="020B0604020202020204" pitchFamily="34" charset="0"/>
-              </a:rPr>
-              <a:t>OUTLINE</a:t>
-            </a:r>
-          </a:p>
-        </p:txBody>
-      </p:sp>
-      <p:sp>
-        <p:nvSpPr>
-          <p:cNvPr id="3" name="Content Placeholder 2">
-            <a:extLst>
-              <a:ext uri="{FF2B5EF4-FFF2-40B4-BE49-F238E27FC236}">
-                <a16:creationId xmlns:a16="http://schemas.microsoft.com/office/drawing/2014/main" id="{B2678641-EEA3-4EC4-BF39-4075B0C120E8}"/>
-              </a:ext>
-            </a:extLst>
-          </p:cNvPr>
-          <p:cNvSpPr>
-            <a:spLocks noGrp="1"/>
-          </p:cNvSpPr>
-          <p:nvPr>
-            <p:ph idx="1"/>
-          </p:nvPr>
-        </p:nvSpPr>
-        <p:spPr>
-          <a:xfrm>
-            <a:off x="838200" y="1618938"/>
-            <a:ext cx="11019020" cy="5239062"/>
-          </a:xfrm>
-        </p:spPr>
-        <p:txBody>
-          <a:bodyPr vert="horz" lIns="91440" tIns="45720" rIns="91440" bIns="45720" rtlCol="0" anchor="t">
-            <a:noAutofit/>
-          </a:bodyPr>
-          <a:lstStyle/>
-          <a:p>
-            <a:pPr marL="0" indent="0">
-              <a:buNone/>
-            </a:pPr>
-            <a:r>
-              <a:rPr lang="en-US" sz="2000" b="1" dirty="0">
-                <a:latin typeface="Arial"/>
-                <a:ea typeface="+mn-lt"/>
-                <a:cs typeface="Arial"/>
-              </a:rPr>
-              <a:t>  </a:t>
-            </a:r>
-            <a:endParaRPr lang="en-US" dirty="0">
-              <a:latin typeface="Arial"/>
-              <a:cs typeface="Arial"/>
-            </a:endParaRPr>
-          </a:p>
-          <a:p>
-            <a:pPr marL="305435" indent="-305435"/>
-            <a:r>
-              <a:rPr lang="en-US" sz="2000" b="1" dirty="0">
-                <a:latin typeface="Arial"/>
-                <a:ea typeface="+mn-lt"/>
-                <a:cs typeface="Arial"/>
-              </a:rPr>
-              <a:t>Problem Statement </a:t>
-            </a:r>
-            <a:endParaRPr lang="en-US" sz="2000" b="1" dirty="0" smtClean="0">
-              <a:latin typeface="Arial"/>
-              <a:ea typeface="+mn-lt"/>
-              <a:cs typeface="Arial"/>
-            </a:endParaRPr>
-          </a:p>
-          <a:p>
-            <a:pPr marL="305435" indent="-305435"/>
-            <a:r>
-              <a:rPr lang="en-US" sz="2000" b="1" dirty="0" smtClean="0">
-                <a:latin typeface="Arial"/>
-                <a:ea typeface="+mn-lt"/>
-                <a:cs typeface="Arial"/>
-              </a:rPr>
-              <a:t>Proposed </a:t>
-            </a:r>
-            <a:r>
-              <a:rPr lang="en-US" sz="2000" b="1" dirty="0">
-                <a:latin typeface="Arial"/>
-                <a:ea typeface="+mn-lt"/>
-                <a:cs typeface="Arial"/>
-              </a:rPr>
-              <a:t>System/Solution</a:t>
-            </a:r>
-            <a:endParaRPr lang="en-US" dirty="0">
-              <a:latin typeface="Arial"/>
-              <a:cs typeface="Arial"/>
-            </a:endParaRPr>
-          </a:p>
-          <a:p>
-            <a:pPr marL="305435" indent="-305435"/>
-            <a:r>
-              <a:rPr lang="en-US" sz="2000" b="1" dirty="0">
-                <a:latin typeface="Arial"/>
-                <a:ea typeface="+mn-lt"/>
-                <a:cs typeface="Calibri"/>
-              </a:rPr>
-              <a:t>System </a:t>
-            </a:r>
-            <a:r>
-              <a:rPr lang="en-US" sz="2000" b="1" dirty="0">
-                <a:latin typeface="Arial"/>
-                <a:ea typeface="+mn-lt"/>
-                <a:cs typeface="+mn-lt"/>
-              </a:rPr>
-              <a:t>Development Approach </a:t>
-            </a:r>
-            <a:endParaRPr lang="en-US" sz="2000" b="1" dirty="0" smtClean="0">
-              <a:latin typeface="Arial"/>
-              <a:ea typeface="+mn-lt"/>
-              <a:cs typeface="+mn-lt"/>
-            </a:endParaRPr>
-          </a:p>
-          <a:p>
-            <a:pPr marL="305435" indent="-305435"/>
-            <a:r>
-              <a:rPr lang="en-US" sz="2000" b="1" dirty="0" smtClean="0">
-                <a:latin typeface="Arial"/>
-                <a:ea typeface="+mn-lt"/>
-                <a:cs typeface="Arial"/>
-              </a:rPr>
-              <a:t>Result Conclusion</a:t>
-            </a:r>
-            <a:endParaRPr lang="en-US" dirty="0">
-              <a:latin typeface="Arial"/>
-              <a:cs typeface="Arial"/>
-            </a:endParaRPr>
-          </a:p>
-          <a:p>
-            <a:pPr marL="305435" indent="-305435"/>
-            <a:r>
-              <a:rPr lang="en-US" sz="2000" b="1" dirty="0">
-                <a:latin typeface="Arial"/>
-                <a:ea typeface="+mn-lt"/>
-                <a:cs typeface="Arial"/>
-              </a:rPr>
-              <a:t>Future Scope</a:t>
-            </a:r>
-          </a:p>
-          <a:p>
-            <a:pPr marL="305435" indent="-305435"/>
-            <a:r>
-              <a:rPr lang="en-US" sz="2000" b="1" dirty="0">
-                <a:latin typeface="Arial"/>
-                <a:ea typeface="+mn-lt"/>
-                <a:cs typeface="Arial"/>
-              </a:rPr>
-              <a:t>References</a:t>
-            </a:r>
-            <a:endParaRPr lang="en-US" dirty="0">
-              <a:latin typeface="Arial"/>
-              <a:cs typeface="Arial"/>
-            </a:endParaRPr>
-          </a:p>
-          <a:p>
-            <a:pPr marL="305435" indent="-305435"/>
-            <a:endParaRPr lang="en-US" dirty="0">
-              <a:latin typeface="Arial"/>
-              <a:cs typeface="Arial"/>
-            </a:endParaRPr>
-          </a:p>
-        </p:txBody>
-      </p:sp>
-    </p:spTree>
-    <p:extLst>
-      <p:ext uri="{BB962C8B-B14F-4D97-AF65-F5344CB8AC3E}">
-        <p14:creationId xmlns:p14="http://schemas.microsoft.com/office/powerpoint/2010/main" val="2900153716"/>
-      </p:ext>
-    </p:extLst>
-  </p:cSld>
-  <p:clrMapOvr>
-    <a:masterClrMapping/>
-  </p:clrMapOvr>
-  <p:timing>
-    <p:tnLst>
-      <p:par>
-        <p:cTn id="1" dur="indefinite" restart="never" nodeType="tmRoot"/>
-      </p:par>
-    </p:tnLst>
-  </p:timing>
-</p:sld>
-</file>
-
-<file path=ppt/slides/slide20.xml><?xml version="1.0" encoding="utf-8"?>
-<p:sld xmlns:a="http://schemas.openxmlformats.org/drawingml/2006/main" xmlns:r="http://schemas.openxmlformats.org/officeDocument/2006/relationships" xmlns:p="http://schemas.openxmlformats.org/presentationml/2006/main">
-  <p:cSld>
-    <p:spTree>
-      <p:nvGrpSpPr>
-        <p:cNvPr id="1" name=""/>
-        <p:cNvGrpSpPr/>
-        <p:nvPr/>
-      </p:nvGrpSpPr>
-      <p:grpSpPr>
-        <a:xfrm>
-          <a:off x="0" y="0"/>
-          <a:ext cx="0" cy="0"/>
-          <a:chOff x="0" y="0"/>
-          <a:chExt cx="0" cy="0"/>
-        </a:xfrm>
-      </p:grpSpPr>
-      <p:sp>
-        <p:nvSpPr>
-          <p:cNvPr id="2" name="Title 1">
-            <a:extLst>
-              <a:ext uri="{FF2B5EF4-FFF2-40B4-BE49-F238E27FC236}">
-                <a16:creationId xmlns:a16="http://schemas.microsoft.com/office/drawing/2014/main" id="{3A492E52-0C9E-7CCC-47E8-5C4711AD23FE}"/>
-              </a:ext>
-            </a:extLst>
-          </p:cNvPr>
-          <p:cNvSpPr>
-            <a:spLocks noGrp="1"/>
-          </p:cNvSpPr>
-          <p:nvPr>
-            <p:ph type="title"/>
-          </p:nvPr>
-        </p:nvSpPr>
-        <p:spPr/>
-        <p:txBody>
-          <a:bodyPr/>
-          <a:lstStyle/>
-          <a:p>
-            <a:r>
-              <a:rPr lang="en-IN" dirty="0">
-                <a:solidFill>
-                  <a:schemeClr val="accent1"/>
-                </a:solidFill>
-              </a:rPr>
-              <a:t>IBM Certifications</a:t>
-            </a:r>
-          </a:p>
-        </p:txBody>
-      </p:sp>
-      <p:sp>
-        <p:nvSpPr>
-          <p:cNvPr id="3" name="Content Placeholder 2">
-            <a:extLst>
-              <a:ext uri="{FF2B5EF4-FFF2-40B4-BE49-F238E27FC236}">
-                <a16:creationId xmlns:a16="http://schemas.microsoft.com/office/drawing/2014/main" id="{177D9613-6E93-8A63-8EC7-750760D77FD8}"/>
-              </a:ext>
-            </a:extLst>
-          </p:cNvPr>
-          <p:cNvSpPr>
-            <a:spLocks noGrp="1"/>
-          </p:cNvSpPr>
-          <p:nvPr>
-            <p:ph idx="1"/>
-          </p:nvPr>
-        </p:nvSpPr>
-        <p:spPr/>
-        <p:txBody>
-          <a:bodyPr/>
-          <a:lstStyle/>
-          <a:p>
-            <a:r>
-              <a:rPr lang="en-IN" dirty="0"/>
-              <a:t>Screenshot/ </a:t>
-            </a:r>
-            <a:r>
-              <a:rPr lang="en-IN" dirty="0" err="1"/>
-              <a:t>credly</a:t>
-            </a:r>
-            <a:r>
-              <a:rPr lang="en-IN" dirty="0"/>
-              <a:t> certificate( Journey to Cloud)</a:t>
-            </a:r>
-          </a:p>
-        </p:txBody>
-      </p:sp>
-    </p:spTree>
-    <p:extLst>
-      <p:ext uri="{BB962C8B-B14F-4D97-AF65-F5344CB8AC3E}">
-        <p14:creationId xmlns:p14="http://schemas.microsoft.com/office/powerpoint/2010/main" val="4128710330"/>
-      </p:ext>
-    </p:extLst>
-  </p:cSld>
-  <p:clrMapOvr>
-    <a:masterClrMapping/>
-  </p:clrMapOvr>
-</p:sld>
-</file>
-
-<file path=ppt/slides/slide21.xml><?xml version="1.0" encoding="utf-8"?>
-<p:sld xmlns:a="http://schemas.openxmlformats.org/drawingml/2006/main" xmlns:r="http://schemas.openxmlformats.org/officeDocument/2006/relationships" xmlns:p="http://schemas.openxmlformats.org/presentationml/2006/main">
-  <p:cSld>
-    <p:spTree>
-      <p:nvGrpSpPr>
-        <p:cNvPr id="1" name=""/>
-        <p:cNvGrpSpPr/>
-        <p:nvPr/>
-      </p:nvGrpSpPr>
-      <p:grpSpPr>
-        <a:xfrm>
-          <a:off x="0" y="0"/>
-          <a:ext cx="0" cy="0"/>
-          <a:chOff x="0" y="0"/>
-          <a:chExt cx="0" cy="0"/>
-        </a:xfrm>
-      </p:grpSpPr>
-      <p:sp>
-        <p:nvSpPr>
-          <p:cNvPr id="2" name="Title 1">
-            <a:extLst>
-              <a:ext uri="{FF2B5EF4-FFF2-40B4-BE49-F238E27FC236}">
-                <a16:creationId xmlns:a16="http://schemas.microsoft.com/office/drawing/2014/main" id="{3A492E52-0C9E-7CCC-47E8-5C4711AD23FE}"/>
-              </a:ext>
-            </a:extLst>
-          </p:cNvPr>
-          <p:cNvSpPr>
-            <a:spLocks noGrp="1"/>
-          </p:cNvSpPr>
-          <p:nvPr>
-            <p:ph type="title"/>
-          </p:nvPr>
-        </p:nvSpPr>
-        <p:spPr/>
-        <p:txBody>
-          <a:bodyPr/>
-          <a:lstStyle/>
-          <a:p>
-            <a:r>
-              <a:rPr lang="en-IN" dirty="0">
-                <a:solidFill>
-                  <a:schemeClr val="accent1"/>
-                </a:solidFill>
-              </a:rPr>
-              <a:t>IBM Certifications</a:t>
-            </a:r>
-          </a:p>
-        </p:txBody>
-      </p:sp>
-      <p:sp>
-        <p:nvSpPr>
-          <p:cNvPr id="3" name="Content Placeholder 2">
-            <a:extLst>
-              <a:ext uri="{FF2B5EF4-FFF2-40B4-BE49-F238E27FC236}">
-                <a16:creationId xmlns:a16="http://schemas.microsoft.com/office/drawing/2014/main" id="{177D9613-6E93-8A63-8EC7-750760D77FD8}"/>
-              </a:ext>
-            </a:extLst>
-          </p:cNvPr>
-          <p:cNvSpPr>
-            <a:spLocks noGrp="1"/>
-          </p:cNvSpPr>
-          <p:nvPr>
-            <p:ph idx="1"/>
-          </p:nvPr>
-        </p:nvSpPr>
-        <p:spPr/>
-        <p:txBody>
-          <a:bodyPr/>
-          <a:lstStyle/>
-          <a:p>
-            <a:r>
-              <a:rPr lang="en-IN" dirty="0"/>
-              <a:t>Screenshot/ </a:t>
-            </a:r>
-            <a:r>
-              <a:rPr lang="en-IN" dirty="0" err="1"/>
-              <a:t>credly</a:t>
-            </a:r>
-            <a:r>
-              <a:rPr lang="en-IN" dirty="0"/>
-              <a:t> certificate( RAG Lab)</a:t>
-            </a:r>
-          </a:p>
-        </p:txBody>
-      </p:sp>
-    </p:spTree>
-    <p:extLst>
-      <p:ext uri="{BB962C8B-B14F-4D97-AF65-F5344CB8AC3E}">
-        <p14:creationId xmlns:p14="http://schemas.microsoft.com/office/powerpoint/2010/main" val="2171852726"/>
-      </p:ext>
-    </p:extLst>
-  </p:cSld>
-  <p:clrMapOvr>
-    <a:masterClrMapping/>
-  </p:clrMapOvr>
-</p:sld>
-</file>
-
 <file path=ppt/slides/slide22.xml><?xml version="1.0" encoding="utf-8"?>
 <p:sld xmlns:a="http://schemas.openxmlformats.org/drawingml/2006/main" xmlns:r="http://schemas.openxmlformats.org/officeDocument/2006/relationships" xmlns:p="http://schemas.openxmlformats.org/presentationml/2006/main">
   <p:cSld>
@@ -7524,6 +8069,239 @@
       </p:grpSpPr>
       <p:sp>
         <p:nvSpPr>
+          <p:cNvPr id="2" name="Title 1">
+            <a:extLst>
+              <a:ext uri="{FF2B5EF4-FFF2-40B4-BE49-F238E27FC236}">
+                <a16:creationId xmlns:a16="http://schemas.microsoft.com/office/drawing/2014/main" id="{3A492E52-0C9E-7CCC-47E8-5C4711AD23FE}"/>
+              </a:ext>
+            </a:extLst>
+          </p:cNvPr>
+          <p:cNvSpPr>
+            <a:spLocks noGrp="1"/>
+          </p:cNvSpPr>
+          <p:nvPr>
+            <p:ph type="title"/>
+          </p:nvPr>
+        </p:nvSpPr>
+        <p:spPr/>
+        <p:txBody>
+          <a:bodyPr/>
+          <a:lstStyle/>
+          <a:p>
+            <a:r>
+              <a:rPr lang="en-IN" dirty="0">
+                <a:solidFill>
+                  <a:schemeClr val="accent1"/>
+                </a:solidFill>
+              </a:rPr>
+              <a:t>IBM Certifications</a:t>
+            </a:r>
+          </a:p>
+        </p:txBody>
+      </p:sp>
+      <p:pic>
+        <p:nvPicPr>
+          <p:cNvPr id="4" name="Content Placeholder 3"/>
+          <p:cNvPicPr>
+            <a:picLocks noGrp="1" noChangeAspect="1"/>
+          </p:cNvPicPr>
+          <p:nvPr>
+            <p:ph idx="1"/>
+          </p:nvPr>
+        </p:nvPicPr>
+        <p:blipFill>
+          <a:blip r:embed="rId2">
+            <a:extLst>
+              <a:ext uri="{28A0092B-C50C-407E-A947-70E740481C1C}">
+                <a14:useLocalDpi xmlns:a14="http://schemas.microsoft.com/office/drawing/2010/main" val="0"/>
+              </a:ext>
+            </a:extLst>
+          </a:blip>
+          <a:stretch>
+            <a:fillRect/>
+          </a:stretch>
+        </p:blipFill>
+        <p:spPr>
+          <a:xfrm>
+            <a:off x="581191" y="1301750"/>
+            <a:ext cx="7204655" cy="4673600"/>
+          </a:xfrm>
+        </p:spPr>
+      </p:pic>
+    </p:spTree>
+    <p:extLst>
+      <p:ext uri="{BB962C8B-B14F-4D97-AF65-F5344CB8AC3E}">
+        <p14:creationId xmlns:p14="http://schemas.microsoft.com/office/powerpoint/2010/main" val="4128710330"/>
+      </p:ext>
+    </p:extLst>
+  </p:cSld>
+  <p:clrMapOvr>
+    <a:masterClrMapping/>
+  </p:clrMapOvr>
+  <p:timing>
+    <p:tnLst>
+      <p:par>
+        <p:cTn id="1" dur="indefinite" restart="never" nodeType="tmRoot"/>
+      </p:par>
+    </p:tnLst>
+  </p:timing>
+</p:sld>
+</file>
+
+<file path=ppt/slides/slide23.xml><?xml version="1.0" encoding="utf-8"?>
+<p:sld xmlns:a="http://schemas.openxmlformats.org/drawingml/2006/main" xmlns:r="http://schemas.openxmlformats.org/officeDocument/2006/relationships" xmlns:p="http://schemas.openxmlformats.org/presentationml/2006/main">
+  <p:cSld>
+    <p:spTree>
+      <p:nvGrpSpPr>
+        <p:cNvPr id="1" name=""/>
+        <p:cNvGrpSpPr/>
+        <p:nvPr/>
+      </p:nvGrpSpPr>
+      <p:grpSpPr>
+        <a:xfrm>
+          <a:off x="0" y="0"/>
+          <a:ext cx="0" cy="0"/>
+          <a:chOff x="0" y="0"/>
+          <a:chExt cx="0" cy="0"/>
+        </a:xfrm>
+      </p:grpSpPr>
+      <p:sp>
+        <p:nvSpPr>
+          <p:cNvPr id="2" name="Title 1">
+            <a:extLst>
+              <a:ext uri="{FF2B5EF4-FFF2-40B4-BE49-F238E27FC236}">
+                <a16:creationId xmlns:a16="http://schemas.microsoft.com/office/drawing/2014/main" id="{3A492E52-0C9E-7CCC-47E8-5C4711AD23FE}"/>
+              </a:ext>
+            </a:extLst>
+          </p:cNvPr>
+          <p:cNvSpPr>
+            <a:spLocks noGrp="1"/>
+          </p:cNvSpPr>
+          <p:nvPr>
+            <p:ph type="title"/>
+          </p:nvPr>
+        </p:nvSpPr>
+        <p:spPr/>
+        <p:txBody>
+          <a:bodyPr/>
+          <a:lstStyle/>
+          <a:p>
+            <a:r>
+              <a:rPr lang="en-IN" dirty="0">
+                <a:solidFill>
+                  <a:schemeClr val="accent1"/>
+                </a:solidFill>
+              </a:rPr>
+              <a:t>IBM Certifications</a:t>
+            </a:r>
+          </a:p>
+        </p:txBody>
+      </p:sp>
+      <p:sp>
+        <p:nvSpPr>
+          <p:cNvPr id="3" name="Content Placeholder 2">
+            <a:extLst>
+              <a:ext uri="{FF2B5EF4-FFF2-40B4-BE49-F238E27FC236}">
+                <a16:creationId xmlns:a16="http://schemas.microsoft.com/office/drawing/2014/main" id="{177D9613-6E93-8A63-8EC7-750760D77FD8}"/>
+              </a:ext>
+            </a:extLst>
+          </p:cNvPr>
+          <p:cNvSpPr>
+            <a:spLocks noGrp="1"/>
+          </p:cNvSpPr>
+          <p:nvPr>
+            <p:ph idx="1"/>
+          </p:nvPr>
+        </p:nvSpPr>
+        <p:spPr/>
+        <p:txBody>
+          <a:bodyPr/>
+          <a:lstStyle/>
+          <a:p>
+            <a:r>
+              <a:rPr lang="en-IN" dirty="0"/>
+              <a:t>Screenshot/ </a:t>
+            </a:r>
+            <a:r>
+              <a:rPr lang="en-IN" dirty="0" err="1"/>
+              <a:t>credly</a:t>
+            </a:r>
+            <a:r>
+              <a:rPr lang="en-IN" dirty="0"/>
+              <a:t> certificate( RAG Lab)</a:t>
+            </a:r>
+          </a:p>
+        </p:txBody>
+      </p:sp>
+      <p:pic>
+        <p:nvPicPr>
+          <p:cNvPr id="4" name="Picture 3"/>
+          <p:cNvPicPr>
+            <a:picLocks noChangeAspect="1"/>
+          </p:cNvPicPr>
+          <p:nvPr/>
+        </p:nvPicPr>
+        <p:blipFill>
+          <a:blip r:embed="rId2">
+            <a:extLst>
+              <a:ext uri="{28A0092B-C50C-407E-A947-70E740481C1C}">
+                <a14:useLocalDpi xmlns:a14="http://schemas.microsoft.com/office/drawing/2010/main" val="0"/>
+              </a:ext>
+            </a:extLst>
+          </a:blip>
+          <a:stretch>
+            <a:fillRect/>
+          </a:stretch>
+        </p:blipFill>
+        <p:spPr>
+          <a:xfrm>
+            <a:off x="581192" y="1195075"/>
+            <a:ext cx="7433255" cy="4467849"/>
+          </a:xfrm>
+          <a:prstGeom prst="rect">
+            <a:avLst/>
+          </a:prstGeom>
+        </p:spPr>
+      </p:pic>
+    </p:spTree>
+    <p:extLst>
+      <p:ext uri="{BB962C8B-B14F-4D97-AF65-F5344CB8AC3E}">
+        <p14:creationId xmlns:p14="http://schemas.microsoft.com/office/powerpoint/2010/main" val="2171852726"/>
+      </p:ext>
+    </p:extLst>
+  </p:cSld>
+  <p:clrMapOvr>
+    <a:masterClrMapping/>
+  </p:clrMapOvr>
+  <p:timing>
+    <p:tnLst>
+      <p:par>
+        <p:cTn id="1" dur="indefinite" restart="never" nodeType="tmRoot"/>
+      </p:par>
+    </p:tnLst>
+  </p:timing>
+</p:sld>
+</file>
+
+<file path=ppt/slides/slide24.xml><?xml version="1.0" encoding="utf-8"?>
+<p:sld xmlns:a="http://schemas.openxmlformats.org/drawingml/2006/main" xmlns:r="http://schemas.openxmlformats.org/officeDocument/2006/relationships" xmlns:p="http://schemas.openxmlformats.org/presentationml/2006/main">
+  <p:cSld>
+    <p:spTree>
+      <p:nvGrpSpPr>
+        <p:cNvPr id="1" name=""/>
+        <p:cNvGrpSpPr/>
+        <p:nvPr/>
+      </p:nvGrpSpPr>
+      <p:grpSpPr>
+        <a:xfrm>
+          <a:off x="0" y="0"/>
+          <a:ext cx="0" cy="0"/>
+          <a:chOff x="0" y="0"/>
+          <a:chExt cx="0" cy="0"/>
+        </a:xfrm>
+      </p:grpSpPr>
+      <p:sp>
+        <p:nvSpPr>
           <p:cNvPr id="5" name="Title 4">
             <a:extLst>
               <a:ext uri="{FF2B5EF4-FFF2-40B4-BE49-F238E27FC236}">
@@ -7572,6 +8350,13 @@
   <p:clrMapOvr>
     <a:masterClrMapping/>
   </p:clrMapOvr>
+  <p:timing>
+    <p:tnLst>
+      <p:par>
+        <p:cTn id="1" dur="indefinite" restart="never" nodeType="tmRoot"/>
+      </p:par>
+    </p:tnLst>
+  </p:timing>
 </p:sld>
 </file>
 
@@ -7678,6 +8463,13 @@
   <p:clrMapOvr>
     <a:masterClrMapping/>
   </p:clrMapOvr>
+  <p:timing>
+    <p:tnLst>
+      <p:par>
+        <p:cTn id="1" dur="indefinite" restart="never" nodeType="tmRoot"/>
+      </p:par>
+    </p:tnLst>
+  </p:timing>
 </p:sld>
 </file>
 
@@ -7854,6 +8646,13 @@
   <p:clrMapOvr>
     <a:masterClrMapping/>
   </p:clrMapOvr>
+  <p:timing>
+    <p:tnLst>
+      <p:par>
+        <p:cTn id="1" dur="indefinite" restart="never" nodeType="tmRoot"/>
+      </p:par>
+    </p:tnLst>
+  </p:timing>
 </p:sld>
 </file>
 
@@ -8065,6 +8864,13 @@
   <p:clrMapOvr>
     <a:masterClrMapping/>
   </p:clrMapOvr>
+  <p:timing>
+    <p:tnLst>
+      <p:par>
+        <p:cTn id="1" dur="indefinite" restart="never" nodeType="tmRoot"/>
+      </p:par>
+    </p:tnLst>
+  </p:timing>
 </p:sld>
 </file>
 
@@ -9257,21 +10063,21 @@
 </file>
 
 <file path=customXml/item1.xml><?xml version="1.0" encoding="utf-8"?>
+<?mso-contentType ?>
+<FormTemplates xmlns="http://schemas.microsoft.com/sharepoint/v3/contenttype/forms">
+  <Display>DocumentLibraryForm</Display>
+  <Edit>DocumentLibraryForm</Edit>
+  <New>DocumentLibraryForm</New>
+</FormTemplates>
+</file>
+
+<file path=customXml/item2.xml><?xml version="1.0" encoding="utf-8"?>
 <p:properties xmlns:p="http://schemas.microsoft.com/office/2006/metadata/properties" xmlns:xsi="http://www.w3.org/2001/XMLSchema-instance" xmlns:pc="http://schemas.microsoft.com/office/infopath/2007/PartnerControls">
   <documentManagement>
     <MediaServiceKeyPoints xmlns="9162bd5b-4ed9-4da3-b376-05204580ba3f" xsi:nil="true"/>
     <_activity xmlns="9162bd5b-4ed9-4da3-b376-05204580ba3f" xsi:nil="true"/>
   </documentManagement>
 </p:properties>
-</file>
-
-<file path=customXml/item2.xml><?xml version="1.0" encoding="utf-8"?>
-<?mso-contentType ?>
-<FormTemplates xmlns="http://schemas.microsoft.com/sharepoint/v3/contenttype/forms">
-  <Display>DocumentLibraryForm</Display>
-  <Edit>DocumentLibraryForm</Edit>
-  <New>DocumentLibraryForm</New>
-</FormTemplates>
 </file>
 
 <file path=customXml/item3.xml><?xml version="1.0" encoding="utf-8"?>
@@ -9522,26 +10328,26 @@
 </file>
 
 <file path=customXml/itemProps1.xml><?xml version="1.0" encoding="utf-8"?>
-<ds:datastoreItem xmlns:ds="http://schemas.openxmlformats.org/officeDocument/2006/customXml" ds:itemID="{8D289AE2-D2AE-49D1-AFAC-3A79F6794255}">
+<ds:datastoreItem xmlns:ds="http://schemas.openxmlformats.org/officeDocument/2006/customXml" ds:itemID="{927BD4C1-B6B1-4715-ABF9-E660A51A4EA0}">
   <ds:schemaRefs>
-    <ds:schemaRef ds:uri="http://purl.org/dc/terms/"/>
-    <ds:schemaRef ds:uri="http://www.w3.org/XML/1998/namespace"/>
-    <ds:schemaRef ds:uri="http://schemas.microsoft.com/office/2006/documentManagement/types"/>
-    <ds:schemaRef ds:uri="c0fa2617-96bd-425d-8578-e93563fe37c5"/>
-    <ds:schemaRef ds:uri="http://purl.org/dc/elements/1.1/"/>
-    <ds:schemaRef ds:uri="http://purl.org/dc/dcmitype/"/>
-    <ds:schemaRef ds:uri="http://schemas.microsoft.com/office/infopath/2007/PartnerControls"/>
-    <ds:schemaRef ds:uri="http://schemas.openxmlformats.org/package/2006/metadata/core-properties"/>
-    <ds:schemaRef ds:uri="9162bd5b-4ed9-4da3-b376-05204580ba3f"/>
-    <ds:schemaRef ds:uri="http://schemas.microsoft.com/office/2006/metadata/properties"/>
+    <ds:schemaRef ds:uri="http://schemas.microsoft.com/sharepoint/v3/contenttype/forms"/>
   </ds:schemaRefs>
 </ds:datastoreItem>
 </file>
 
 <file path=customXml/itemProps2.xml><?xml version="1.0" encoding="utf-8"?>
-<ds:datastoreItem xmlns:ds="http://schemas.openxmlformats.org/officeDocument/2006/customXml" ds:itemID="{927BD4C1-B6B1-4715-ABF9-E660A51A4EA0}">
+<ds:datastoreItem xmlns:ds="http://schemas.openxmlformats.org/officeDocument/2006/customXml" ds:itemID="{8D289AE2-D2AE-49D1-AFAC-3A79F6794255}">
   <ds:schemaRefs>
-    <ds:schemaRef ds:uri="http://schemas.microsoft.com/sharepoint/v3/contenttype/forms"/>
+    <ds:schemaRef ds:uri="http://purl.org/dc/terms/"/>
+    <ds:schemaRef ds:uri="http://schemas.microsoft.com/office/2006/metadata/properties"/>
+    <ds:schemaRef ds:uri="http://purl.org/dc/elements/1.1/"/>
+    <ds:schemaRef ds:uri="http://schemas.microsoft.com/office/2006/documentManagement/types"/>
+    <ds:schemaRef ds:uri="http://schemas.openxmlformats.org/package/2006/metadata/core-properties"/>
+    <ds:schemaRef ds:uri="http://schemas.microsoft.com/office/infopath/2007/PartnerControls"/>
+    <ds:schemaRef ds:uri="http://purl.org/dc/dcmitype/"/>
+    <ds:schemaRef ds:uri="c0fa2617-96bd-425d-8578-e93563fe37c5"/>
+    <ds:schemaRef ds:uri="9162bd5b-4ed9-4da3-b376-05204580ba3f"/>
+    <ds:schemaRef ds:uri="http://www.w3.org/XML/1998/namespace"/>
   </ds:schemaRefs>
 </ds:datastoreItem>
 </file>
